--- a/Tensorflow機器學習-基礎教學.pptx
+++ b/Tensorflow機器學習-基礎教學.pptx
@@ -30,6 +30,9 @@
     <p:sldId id="298" r:id="rId24"/>
     <p:sldId id="294" r:id="rId25"/>
     <p:sldId id="295" r:id="rId26"/>
+    <p:sldId id="301" r:id="rId27"/>
+    <p:sldId id="302" r:id="rId28"/>
+    <p:sldId id="303" r:id="rId29"/>
   </p:sldIdLst>
   <p:sldSz cx="9144000" cy="6858000" type="screen4x3"/>
   <p:notesSz cx="6858000" cy="9144000"/>
@@ -180,6 +183,13 @@
             <p14:sldId id="295"/>
           </p14:sldIdLst>
         </p14:section>
+        <p14:section name="練習" id="{670E3311-3B55-4F94-8F56-DABD4D6048E5}">
+          <p14:sldIdLst>
+            <p14:sldId id="301"/>
+            <p14:sldId id="302"/>
+            <p14:sldId id="303"/>
+          </p14:sldIdLst>
+        </p14:section>
       </p14:sectionLst>
     </p:ext>
     <p:ext uri="{EFAFB233-063F-42B5-8137-9DF3F51BA10A}">
@@ -320,7 +330,7 @@
           <a:p>
             <a:fld id="{1844FE72-30DA-42F5-B8BE-6D3AF45FAC6E}" type="datetimeFigureOut">
               <a:rPr lang="zh-TW" altLang="en-US" smtClean="0"/>
-              <a:t>2022/5/31</a:t>
+              <a:t>2022/6/1</a:t>
             </a:fld>
             <a:endParaRPr lang="zh-TW" altLang="en-US"/>
           </a:p>
@@ -490,7 +500,7 @@
           <a:p>
             <a:fld id="{1844FE72-30DA-42F5-B8BE-6D3AF45FAC6E}" type="datetimeFigureOut">
               <a:rPr lang="zh-TW" altLang="en-US" smtClean="0"/>
-              <a:t>2022/5/31</a:t>
+              <a:t>2022/6/1</a:t>
             </a:fld>
             <a:endParaRPr lang="zh-TW" altLang="en-US"/>
           </a:p>
@@ -670,7 +680,7 @@
           <a:p>
             <a:fld id="{1844FE72-30DA-42F5-B8BE-6D3AF45FAC6E}" type="datetimeFigureOut">
               <a:rPr lang="zh-TW" altLang="en-US" smtClean="0"/>
-              <a:t>2022/5/31</a:t>
+              <a:t>2022/6/1</a:t>
             </a:fld>
             <a:endParaRPr lang="zh-TW" altLang="en-US"/>
           </a:p>
@@ -840,7 +850,7 @@
           <a:p>
             <a:fld id="{1844FE72-30DA-42F5-B8BE-6D3AF45FAC6E}" type="datetimeFigureOut">
               <a:rPr lang="zh-TW" altLang="en-US" smtClean="0"/>
-              <a:t>2022/5/31</a:t>
+              <a:t>2022/6/1</a:t>
             </a:fld>
             <a:endParaRPr lang="zh-TW" altLang="en-US"/>
           </a:p>
@@ -1084,7 +1094,7 @@
           <a:p>
             <a:fld id="{1844FE72-30DA-42F5-B8BE-6D3AF45FAC6E}" type="datetimeFigureOut">
               <a:rPr lang="zh-TW" altLang="en-US" smtClean="0"/>
-              <a:t>2022/5/31</a:t>
+              <a:t>2022/6/1</a:t>
             </a:fld>
             <a:endParaRPr lang="zh-TW" altLang="en-US"/>
           </a:p>
@@ -1316,7 +1326,7 @@
           <a:p>
             <a:fld id="{1844FE72-30DA-42F5-B8BE-6D3AF45FAC6E}" type="datetimeFigureOut">
               <a:rPr lang="zh-TW" altLang="en-US" smtClean="0"/>
-              <a:t>2022/5/31</a:t>
+              <a:t>2022/6/1</a:t>
             </a:fld>
             <a:endParaRPr lang="zh-TW" altLang="en-US"/>
           </a:p>
@@ -1683,7 +1693,7 @@
           <a:p>
             <a:fld id="{1844FE72-30DA-42F5-B8BE-6D3AF45FAC6E}" type="datetimeFigureOut">
               <a:rPr lang="zh-TW" altLang="en-US" smtClean="0"/>
-              <a:t>2022/5/31</a:t>
+              <a:t>2022/6/1</a:t>
             </a:fld>
             <a:endParaRPr lang="zh-TW" altLang="en-US"/>
           </a:p>
@@ -1801,7 +1811,7 @@
           <a:p>
             <a:fld id="{1844FE72-30DA-42F5-B8BE-6D3AF45FAC6E}" type="datetimeFigureOut">
               <a:rPr lang="zh-TW" altLang="en-US" smtClean="0"/>
-              <a:t>2022/5/31</a:t>
+              <a:t>2022/6/1</a:t>
             </a:fld>
             <a:endParaRPr lang="zh-TW" altLang="en-US"/>
           </a:p>
@@ -1896,7 +1906,7 @@
           <a:p>
             <a:fld id="{1844FE72-30DA-42F5-B8BE-6D3AF45FAC6E}" type="datetimeFigureOut">
               <a:rPr lang="zh-TW" altLang="en-US" smtClean="0"/>
-              <a:t>2022/5/31</a:t>
+              <a:t>2022/6/1</a:t>
             </a:fld>
             <a:endParaRPr lang="zh-TW" altLang="en-US"/>
           </a:p>
@@ -2173,7 +2183,7 @@
           <a:p>
             <a:fld id="{1844FE72-30DA-42F5-B8BE-6D3AF45FAC6E}" type="datetimeFigureOut">
               <a:rPr lang="zh-TW" altLang="en-US" smtClean="0"/>
-              <a:t>2022/5/31</a:t>
+              <a:t>2022/6/1</a:t>
             </a:fld>
             <a:endParaRPr lang="zh-TW" altLang="en-US"/>
           </a:p>
@@ -2430,7 +2440,7 @@
           <a:p>
             <a:fld id="{1844FE72-30DA-42F5-B8BE-6D3AF45FAC6E}" type="datetimeFigureOut">
               <a:rPr lang="zh-TW" altLang="en-US" smtClean="0"/>
-              <a:t>2022/5/31</a:t>
+              <a:t>2022/6/1</a:t>
             </a:fld>
             <a:endParaRPr lang="zh-TW" altLang="en-US"/>
           </a:p>
@@ -2643,7 +2653,7 @@
           <a:p>
             <a:fld id="{1844FE72-30DA-42F5-B8BE-6D3AF45FAC6E}" type="datetimeFigureOut">
               <a:rPr lang="zh-TW" altLang="en-US" smtClean="0"/>
-              <a:t>2022/5/31</a:t>
+              <a:t>2022/6/1</a:t>
             </a:fld>
             <a:endParaRPr lang="zh-TW" altLang="en-US"/>
           </a:p>
@@ -4343,8 +4353,8 @@
         </p:nvSpPr>
         <p:spPr>
           <a:xfrm>
-            <a:off x="355092" y="6082545"/>
-            <a:ext cx="8496300" cy="307777"/>
+            <a:off x="323850" y="5694165"/>
+            <a:ext cx="8496300" cy="707886"/>
           </a:xfrm>
           <a:prstGeom prst="rect">
             <a:avLst/>
@@ -4411,12 +4421,49 @@
               </a:rPr>
               <a:t>-gradient-descent-406e1fd001f</a:t>
             </a:r>
-            <a:endParaRPr lang="zh-TW" altLang="en-US" sz="1400" dirty="0"/>
-          </a:p>
-        </p:txBody>
-      </p:sp>
-      <mc:AlternateContent xmlns:mc="http://schemas.openxmlformats.org/markup-compatibility/2006" xmlns:a14="http://schemas.microsoft.com/office/drawing/2010/main">
-        <mc:Choice Requires="a14">
+            <a:endParaRPr lang="en-US" altLang="zh-TW" sz="1400" dirty="0"/>
+          </a:p>
+          <a:p>
+            <a:endParaRPr lang="en-US" altLang="zh-TW" sz="1400" dirty="0"/>
+          </a:p>
+          <a:p>
+            <a:pPr algn="ctr"/>
+            <a:r>
+              <a:rPr lang="en-US" altLang="zh-TW" sz="1200" dirty="0">
+                <a:hlinkClick r:id="rId3"/>
+              </a:rPr>
+              <a:t>https://medium.com/</a:t>
+            </a:r>
+            <a:r>
+              <a:rPr lang="zh-TW" altLang="en-US" sz="1200" dirty="0">
+                <a:hlinkClick r:id="rId3"/>
+              </a:rPr>
+              <a:t>雞雞與兔兔的工程世界</a:t>
+            </a:r>
+            <a:r>
+              <a:rPr lang="en-US" altLang="zh-TW" sz="1200" dirty="0">
+                <a:hlinkClick r:id="rId3"/>
+              </a:rPr>
+              <a:t>/</a:t>
+            </a:r>
+            <a:r>
+              <a:rPr lang="zh-TW" altLang="en-US" sz="1200" dirty="0">
+                <a:hlinkClick r:id="rId3"/>
+              </a:rPr>
+              <a:t>機器學習</a:t>
+            </a:r>
+            <a:r>
+              <a:rPr lang="en-US" altLang="zh-TW" sz="1200" dirty="0">
+                <a:hlinkClick r:id="rId3"/>
+              </a:rPr>
+              <a:t>ml-note-sgd-momentum-adagrad-adam-optimizer-f20568c968db</a:t>
+            </a:r>
+            <a:endParaRPr lang="zh-TW" altLang="en-US" sz="1200" dirty="0"/>
+          </a:p>
+        </p:txBody>
+      </p:sp>
+      <mc:AlternateContent xmlns:mc="http://schemas.openxmlformats.org/markup-compatibility/2006">
+        <mc:Choice xmlns:a14="http://schemas.microsoft.com/office/drawing/2010/main" Requires="a14">
           <p:sp>
             <p:nvSpPr>
               <p:cNvPr id="10" name="文字方塊 9">
@@ -4431,7 +4478,7 @@
             </p:nvSpPr>
             <p:spPr>
               <a:xfrm>
-                <a:off x="4749366" y="1977151"/>
+                <a:off x="4749366" y="1589874"/>
                 <a:ext cx="3765984" cy="497444"/>
               </a:xfrm>
               <a:prstGeom prst="rect">
@@ -4505,7 +4552,7 @@
             </p:txBody>
           </p:sp>
         </mc:Choice>
-        <mc:Fallback xmlns="">
+        <mc:Fallback>
           <p:sp>
             <p:nvSpPr>
               <p:cNvPr id="10" name="文字方塊 9">
@@ -4522,16 +4569,16 @@
             </p:nvSpPr>
             <p:spPr>
               <a:xfrm>
-                <a:off x="4749366" y="1977151"/>
+                <a:off x="4749366" y="1589874"/>
                 <a:ext cx="3765984" cy="497444"/>
               </a:xfrm>
               <a:prstGeom prst="rect">
                 <a:avLst/>
               </a:prstGeom>
               <a:blipFill>
-                <a:blip r:embed="rId3"/>
+                <a:blip r:embed="rId4"/>
                 <a:stretch>
-                  <a:fillRect b="-20732"/>
+                  <a:fillRect b="-22222"/>
                 </a:stretch>
               </a:blipFill>
             </p:spPr>
@@ -4565,7 +4612,7 @@
           <p:nvPr/>
         </p:nvPicPr>
         <p:blipFill>
-          <a:blip r:embed="rId4">
+          <a:blip r:embed="rId5">
             <a:extLst>
               <a:ext uri="{28A0092B-C50C-407E-A947-70E740481C1C}">
                 <a14:useLocalDpi xmlns:a14="http://schemas.microsoft.com/office/drawing/2010/main" val="0"/>
@@ -4579,7 +4626,7 @@
         </p:blipFill>
         <p:spPr bwMode="auto">
           <a:xfrm>
-            <a:off x="4749366" y="2585191"/>
+            <a:off x="4749366" y="2197914"/>
             <a:ext cx="3985369" cy="2989026"/>
           </a:xfrm>
           <a:prstGeom prst="rect">
@@ -4612,7 +4659,7 @@
           <p:nvPr/>
         </p:nvPicPr>
         <p:blipFill>
-          <a:blip r:embed="rId5">
+          <a:blip r:embed="rId6">
             <a:extLst>
               <a:ext uri="{28A0092B-C50C-407E-A947-70E740481C1C}">
                 <a14:useLocalDpi xmlns:a14="http://schemas.microsoft.com/office/drawing/2010/main" val="0"/>
@@ -4626,7 +4673,7 @@
         </p:blipFill>
         <p:spPr bwMode="auto">
           <a:xfrm>
-            <a:off x="355092" y="2585191"/>
+            <a:off x="355092" y="2197914"/>
             <a:ext cx="3985368" cy="2989026"/>
           </a:xfrm>
           <a:prstGeom prst="rect">
@@ -4738,14 +4785,14 @@
               <a:rPr lang="en-US" altLang="zh-TW" sz="1400" dirty="0">
                 <a:hlinkClick r:id="rId2"/>
               </a:rPr>
-              <a:t>https://www.youtube.com/watch?v=tIeHLnjs5U8</a:t>
+              <a:t>https://youtu.be/tIeHLnjs5U8?t=49</a:t>
             </a:r>
             <a:endParaRPr lang="zh-TW" altLang="en-US" sz="1400" dirty="0"/>
           </a:p>
         </p:txBody>
       </p:sp>
-      <mc:AlternateContent xmlns:mc="http://schemas.openxmlformats.org/markup-compatibility/2006">
-        <mc:Choice xmlns:a14="http://schemas.microsoft.com/office/drawing/2010/main" Requires="a14">
+      <mc:AlternateContent xmlns:mc="http://schemas.openxmlformats.org/markup-compatibility/2006" xmlns:a14="http://schemas.microsoft.com/office/drawing/2010/main">
+        <mc:Choice Requires="a14">
           <p:sp>
             <p:nvSpPr>
               <p:cNvPr id="5" name="文字方塊 4">
@@ -4970,7 +5017,7 @@
             </p:txBody>
           </p:sp>
         </mc:Choice>
-        <mc:Fallback>
+        <mc:Fallback xmlns="">
           <p:sp>
             <p:nvSpPr>
               <p:cNvPr id="5" name="文字方塊 4">
@@ -6103,7 +6150,7 @@
               <a:rPr lang="en-US" altLang="zh-TW" sz="1600" dirty="0">
                 <a:hlinkClick r:id="rId2"/>
               </a:rPr>
-              <a:t>https://colab.research.google.com/drive/1KsmDHXyfMKc7aMpboHK488gPNtgYDt1s?usp=sharing</a:t>
+              <a:t>https://colab.research.google.com/drive/1M2csOZj2U8zHo4dsn57HYR2tHd7zLIhO?usp=sharing</a:t>
             </a:r>
             <a:endParaRPr lang="en-US" altLang="zh-TW" sz="1600" dirty="0"/>
           </a:p>
@@ -7996,6 +8043,465 @@
 </p:sld>
 </file>
 
+<file path=ppt/slides/slide26.xml><?xml version="1.0" encoding="utf-8"?>
+<p:sld xmlns:a="http://schemas.openxmlformats.org/drawingml/2006/main" xmlns:r="http://schemas.openxmlformats.org/officeDocument/2006/relationships" xmlns:p="http://schemas.openxmlformats.org/presentationml/2006/main">
+  <p:cSld>
+    <p:spTree>
+      <p:nvGrpSpPr>
+        <p:cNvPr id="1" name=""/>
+        <p:cNvGrpSpPr/>
+        <p:nvPr/>
+      </p:nvGrpSpPr>
+      <p:grpSpPr>
+        <a:xfrm>
+          <a:off x="0" y="0"/>
+          <a:ext cx="0" cy="0"/>
+          <a:chOff x="0" y="0"/>
+          <a:chExt cx="0" cy="0"/>
+        </a:xfrm>
+      </p:grpSpPr>
+      <p:sp>
+        <p:nvSpPr>
+          <p:cNvPr id="2" name="標題 1">
+            <a:extLst>
+              <a:ext uri="{FF2B5EF4-FFF2-40B4-BE49-F238E27FC236}">
+                <a16:creationId xmlns:a16="http://schemas.microsoft.com/office/drawing/2014/main" id="{90520305-58B7-D199-A83C-05DD62028D05}"/>
+              </a:ext>
+            </a:extLst>
+          </p:cNvPr>
+          <p:cNvSpPr>
+            <a:spLocks noGrp="1"/>
+          </p:cNvSpPr>
+          <p:nvPr>
+            <p:ph type="title"/>
+          </p:nvPr>
+        </p:nvSpPr>
+        <p:spPr>
+          <a:xfrm>
+            <a:off x="935599" y="813053"/>
+            <a:ext cx="2270179" cy="1325563"/>
+          </a:xfrm>
+        </p:spPr>
+        <p:txBody>
+          <a:bodyPr/>
+          <a:lstStyle/>
+          <a:p>
+            <a:r>
+              <a:rPr lang="zh-TW" altLang="en-US" dirty="0">
+                <a:latin typeface="微軟正黑體" panose="020B0604030504040204" pitchFamily="34" charset="-120"/>
+                <a:ea typeface="微軟正黑體" panose="020B0604030504040204" pitchFamily="34" charset="-120"/>
+              </a:rPr>
+              <a:t>練習題</a:t>
+            </a:r>
+          </a:p>
+        </p:txBody>
+      </p:sp>
+      <p:sp>
+        <p:nvSpPr>
+          <p:cNvPr id="7" name="文字方塊 6">
+            <a:extLst>
+              <a:ext uri="{FF2B5EF4-FFF2-40B4-BE49-F238E27FC236}">
+                <a16:creationId xmlns:a16="http://schemas.microsoft.com/office/drawing/2014/main" id="{102D6A43-1ED7-A110-6090-DD45216187DC}"/>
+              </a:ext>
+            </a:extLst>
+          </p:cNvPr>
+          <p:cNvSpPr txBox="1"/>
+          <p:nvPr/>
+        </p:nvSpPr>
+        <p:spPr>
+          <a:xfrm>
+            <a:off x="379429" y="2361843"/>
+            <a:ext cx="8385141" cy="338554"/>
+          </a:xfrm>
+          <a:prstGeom prst="rect">
+            <a:avLst/>
+          </a:prstGeom>
+          <a:noFill/>
+        </p:spPr>
+        <p:txBody>
+          <a:bodyPr wrap="square">
+            <a:spAutoFit/>
+          </a:bodyPr>
+          <a:lstStyle/>
+          <a:p>
+            <a:pPr algn="ctr"/>
+            <a:r>
+              <a:rPr lang="en-US" altLang="zh-TW" sz="1600" dirty="0">
+                <a:hlinkClick r:id="rId2"/>
+              </a:rPr>
+              <a:t>https://colab.research.google.com/drive/1o4bg_2kCnnfsl9a6ciYMIHPf4_7cJYsW?usp=sharing</a:t>
+            </a:r>
+            <a:endParaRPr lang="en-US" altLang="zh-TW" sz="1600" dirty="0"/>
+          </a:p>
+        </p:txBody>
+      </p:sp>
+      <p:pic>
+        <p:nvPicPr>
+          <p:cNvPr id="4" name="圖片 3">
+            <a:extLst>
+              <a:ext uri="{FF2B5EF4-FFF2-40B4-BE49-F238E27FC236}">
+                <a16:creationId xmlns:a16="http://schemas.microsoft.com/office/drawing/2014/main" id="{D6D0E4A1-3620-0A48-E994-9D9D26D6AC2B}"/>
+              </a:ext>
+            </a:extLst>
+          </p:cNvPr>
+          <p:cNvPicPr>
+            <a:picLocks noChangeAspect="1"/>
+          </p:cNvPicPr>
+          <p:nvPr/>
+        </p:nvPicPr>
+        <p:blipFill>
+          <a:blip r:embed="rId3"/>
+          <a:stretch>
+            <a:fillRect/>
+          </a:stretch>
+        </p:blipFill>
+        <p:spPr>
+          <a:xfrm>
+            <a:off x="486779" y="2902398"/>
+            <a:ext cx="8028571" cy="3590476"/>
+          </a:xfrm>
+          <a:prstGeom prst="rect">
+            <a:avLst/>
+          </a:prstGeom>
+          <a:ln w="28575">
+            <a:solidFill>
+              <a:schemeClr val="tx1"/>
+            </a:solidFill>
+          </a:ln>
+        </p:spPr>
+      </p:pic>
+      <p:pic>
+        <p:nvPicPr>
+          <p:cNvPr id="6" name="圖片 5">
+            <a:extLst>
+              <a:ext uri="{FF2B5EF4-FFF2-40B4-BE49-F238E27FC236}">
+                <a16:creationId xmlns:a16="http://schemas.microsoft.com/office/drawing/2014/main" id="{28F35C57-AA65-B273-4FA4-8A72173924E6}"/>
+              </a:ext>
+            </a:extLst>
+          </p:cNvPr>
+          <p:cNvPicPr>
+            <a:picLocks noChangeAspect="1"/>
+          </p:cNvPicPr>
+          <p:nvPr/>
+        </p:nvPicPr>
+        <p:blipFill>
+          <a:blip r:embed="rId4"/>
+          <a:stretch>
+            <a:fillRect/>
+          </a:stretch>
+        </p:blipFill>
+        <p:spPr>
+          <a:xfrm>
+            <a:off x="3371881" y="298513"/>
+            <a:ext cx="5030157" cy="1855787"/>
+          </a:xfrm>
+          <a:prstGeom prst="rect">
+            <a:avLst/>
+          </a:prstGeom>
+        </p:spPr>
+      </p:pic>
+    </p:spTree>
+    <p:extLst>
+      <p:ext uri="{BB962C8B-B14F-4D97-AF65-F5344CB8AC3E}">
+        <p14:creationId xmlns:p14="http://schemas.microsoft.com/office/powerpoint/2010/main" val="2806892903"/>
+      </p:ext>
+    </p:extLst>
+  </p:cSld>
+  <p:clrMapOvr>
+    <a:masterClrMapping/>
+  </p:clrMapOvr>
+</p:sld>
+</file>
+
+<file path=ppt/slides/slide27.xml><?xml version="1.0" encoding="utf-8"?>
+<p:sld xmlns:a="http://schemas.openxmlformats.org/drawingml/2006/main" xmlns:r="http://schemas.openxmlformats.org/officeDocument/2006/relationships" xmlns:p="http://schemas.openxmlformats.org/presentationml/2006/main">
+  <p:cSld>
+    <p:spTree>
+      <p:nvGrpSpPr>
+        <p:cNvPr id="1" name=""/>
+        <p:cNvGrpSpPr/>
+        <p:nvPr/>
+      </p:nvGrpSpPr>
+      <p:grpSpPr>
+        <a:xfrm>
+          <a:off x="0" y="0"/>
+          <a:ext cx="0" cy="0"/>
+          <a:chOff x="0" y="0"/>
+          <a:chExt cx="0" cy="0"/>
+        </a:xfrm>
+      </p:grpSpPr>
+      <p:sp>
+        <p:nvSpPr>
+          <p:cNvPr id="2" name="標題 1">
+            <a:extLst>
+              <a:ext uri="{FF2B5EF4-FFF2-40B4-BE49-F238E27FC236}">
+                <a16:creationId xmlns:a16="http://schemas.microsoft.com/office/drawing/2014/main" id="{90520305-58B7-D199-A83C-05DD62028D05}"/>
+              </a:ext>
+            </a:extLst>
+          </p:cNvPr>
+          <p:cNvSpPr>
+            <a:spLocks noGrp="1"/>
+          </p:cNvSpPr>
+          <p:nvPr>
+            <p:ph type="title"/>
+          </p:nvPr>
+        </p:nvSpPr>
+        <p:spPr/>
+        <p:txBody>
+          <a:bodyPr/>
+          <a:lstStyle/>
+          <a:p>
+            <a:r>
+              <a:rPr lang="zh-TW" altLang="en-US" dirty="0">
+                <a:latin typeface="微軟正黑體" panose="020B0604030504040204" pitchFamily="34" charset="-120"/>
+                <a:ea typeface="微軟正黑體" panose="020B0604030504040204" pitchFamily="34" charset="-120"/>
+              </a:rPr>
+              <a:t>自行修改模型設計</a:t>
+            </a:r>
+          </a:p>
+        </p:txBody>
+      </p:sp>
+      <p:sp>
+        <p:nvSpPr>
+          <p:cNvPr id="11" name="文字方塊 10">
+            <a:extLst>
+              <a:ext uri="{FF2B5EF4-FFF2-40B4-BE49-F238E27FC236}">
+                <a16:creationId xmlns:a16="http://schemas.microsoft.com/office/drawing/2014/main" id="{CDED7D96-5CC8-8D6B-55D0-AD4FF8F11DBA}"/>
+              </a:ext>
+            </a:extLst>
+          </p:cNvPr>
+          <p:cNvSpPr txBox="1"/>
+          <p:nvPr/>
+        </p:nvSpPr>
+        <p:spPr>
+          <a:xfrm>
+            <a:off x="817581" y="1938115"/>
+            <a:ext cx="7697769" cy="861774"/>
+          </a:xfrm>
+          <a:prstGeom prst="rect">
+            <a:avLst/>
+          </a:prstGeom>
+          <a:noFill/>
+          <a:ln w="28575">
+            <a:noFill/>
+          </a:ln>
+        </p:spPr>
+        <p:txBody>
+          <a:bodyPr wrap="square" rtlCol="0">
+            <a:spAutoFit/>
+          </a:bodyPr>
+          <a:lstStyle/>
+          <a:p>
+            <a:pPr algn="ctr">
+              <a:spcAft>
+                <a:spcPts val="1200"/>
+              </a:spcAft>
+            </a:pPr>
+            <a:r>
+              <a:rPr lang="zh-TW" altLang="en-US" sz="2000" dirty="0">
+                <a:latin typeface="微軟正黑體" panose="020B0604030504040204" pitchFamily="34" charset="-120"/>
+                <a:ea typeface="微軟正黑體" panose="020B0604030504040204" pitchFamily="34" charset="-120"/>
+              </a:rPr>
+              <a:t>靠前面的理解試著修改看看此程式內的模型設計，</a:t>
+            </a:r>
+            <a:endParaRPr lang="en-US" altLang="zh-TW" sz="2000" dirty="0">
+              <a:latin typeface="微軟正黑體" panose="020B0604030504040204" pitchFamily="34" charset="-120"/>
+              <a:ea typeface="微軟正黑體" panose="020B0604030504040204" pitchFamily="34" charset="-120"/>
+            </a:endParaRPr>
+          </a:p>
+          <a:p>
+            <a:pPr algn="ctr">
+              <a:spcAft>
+                <a:spcPts val="1200"/>
+              </a:spcAft>
+            </a:pPr>
+            <a:r>
+              <a:rPr lang="zh-TW" altLang="en-US" sz="2000" dirty="0">
+                <a:latin typeface="微軟正黑體" panose="020B0604030504040204" pitchFamily="34" charset="-120"/>
+                <a:ea typeface="微軟正黑體" panose="020B0604030504040204" pitchFamily="34" charset="-120"/>
+              </a:rPr>
+              <a:t>將結果訓練更佳的準確。</a:t>
+            </a:r>
+            <a:endParaRPr lang="en-US" altLang="zh-TW" sz="2000" dirty="0">
+              <a:latin typeface="微軟正黑體" panose="020B0604030504040204" pitchFamily="34" charset="-120"/>
+              <a:ea typeface="微軟正黑體" panose="020B0604030504040204" pitchFamily="34" charset="-120"/>
+            </a:endParaRPr>
+          </a:p>
+        </p:txBody>
+      </p:sp>
+      <p:pic>
+        <p:nvPicPr>
+          <p:cNvPr id="8" name="圖片 7">
+            <a:extLst>
+              <a:ext uri="{FF2B5EF4-FFF2-40B4-BE49-F238E27FC236}">
+                <a16:creationId xmlns:a16="http://schemas.microsoft.com/office/drawing/2014/main" id="{403BE3DB-8A09-994C-28CF-0B55DBE5FFA1}"/>
+              </a:ext>
+            </a:extLst>
+          </p:cNvPr>
+          <p:cNvPicPr>
+            <a:picLocks noChangeAspect="1"/>
+          </p:cNvPicPr>
+          <p:nvPr/>
+        </p:nvPicPr>
+        <p:blipFill rotWithShape="1">
+          <a:blip r:embed="rId2"/>
+          <a:srcRect b="50000"/>
+          <a:stretch/>
+        </p:blipFill>
+        <p:spPr>
+          <a:xfrm>
+            <a:off x="1618727" y="3232837"/>
+            <a:ext cx="5906545" cy="2681344"/>
+          </a:xfrm>
+          <a:prstGeom prst="rect">
+            <a:avLst/>
+          </a:prstGeom>
+          <a:ln w="28575">
+            <a:solidFill>
+              <a:schemeClr val="tx1"/>
+            </a:solidFill>
+          </a:ln>
+        </p:spPr>
+      </p:pic>
+    </p:spTree>
+    <p:extLst>
+      <p:ext uri="{BB962C8B-B14F-4D97-AF65-F5344CB8AC3E}">
+        <p14:creationId xmlns:p14="http://schemas.microsoft.com/office/powerpoint/2010/main" val="201975401"/>
+      </p:ext>
+    </p:extLst>
+  </p:cSld>
+  <p:clrMapOvr>
+    <a:masterClrMapping/>
+  </p:clrMapOvr>
+</p:sld>
+</file>
+
+<file path=ppt/slides/slide28.xml><?xml version="1.0" encoding="utf-8"?>
+<p:sld xmlns:a="http://schemas.openxmlformats.org/drawingml/2006/main" xmlns:r="http://schemas.openxmlformats.org/officeDocument/2006/relationships" xmlns:p="http://schemas.openxmlformats.org/presentationml/2006/main">
+  <p:cSld>
+    <p:spTree>
+      <p:nvGrpSpPr>
+        <p:cNvPr id="1" name=""/>
+        <p:cNvGrpSpPr/>
+        <p:nvPr/>
+      </p:nvGrpSpPr>
+      <p:grpSpPr>
+        <a:xfrm>
+          <a:off x="0" y="0"/>
+          <a:ext cx="0" cy="0"/>
+          <a:chOff x="0" y="0"/>
+          <a:chExt cx="0" cy="0"/>
+        </a:xfrm>
+      </p:grpSpPr>
+      <p:sp>
+        <p:nvSpPr>
+          <p:cNvPr id="2" name="標題 1">
+            <a:extLst>
+              <a:ext uri="{FF2B5EF4-FFF2-40B4-BE49-F238E27FC236}">
+                <a16:creationId xmlns:a16="http://schemas.microsoft.com/office/drawing/2014/main" id="{90520305-58B7-D199-A83C-05DD62028D05}"/>
+              </a:ext>
+            </a:extLst>
+          </p:cNvPr>
+          <p:cNvSpPr>
+            <a:spLocks noGrp="1"/>
+          </p:cNvSpPr>
+          <p:nvPr>
+            <p:ph type="title"/>
+          </p:nvPr>
+        </p:nvSpPr>
+        <p:spPr/>
+        <p:txBody>
+          <a:bodyPr/>
+          <a:lstStyle/>
+          <a:p>
+            <a:r>
+              <a:rPr lang="zh-TW" altLang="en-US" dirty="0">
+                <a:latin typeface="微軟正黑體" panose="020B0604030504040204" pitchFamily="34" charset="-120"/>
+                <a:ea typeface="微軟正黑體" panose="020B0604030504040204" pitchFamily="34" charset="-120"/>
+              </a:rPr>
+              <a:t>預計結果</a:t>
+            </a:r>
+          </a:p>
+        </p:txBody>
+      </p:sp>
+      <p:pic>
+        <p:nvPicPr>
+          <p:cNvPr id="4" name="圖片 3">
+            <a:extLst>
+              <a:ext uri="{FF2B5EF4-FFF2-40B4-BE49-F238E27FC236}">
+                <a16:creationId xmlns:a16="http://schemas.microsoft.com/office/drawing/2014/main" id="{4610820E-785F-F7C1-5EA0-81FF2A1FC49A}"/>
+              </a:ext>
+            </a:extLst>
+          </p:cNvPr>
+          <p:cNvPicPr>
+            <a:picLocks noChangeAspect="1"/>
+          </p:cNvPicPr>
+          <p:nvPr/>
+        </p:nvPicPr>
+        <p:blipFill>
+          <a:blip r:embed="rId2"/>
+          <a:stretch>
+            <a:fillRect/>
+          </a:stretch>
+        </p:blipFill>
+        <p:spPr>
+          <a:xfrm>
+            <a:off x="907582" y="1778035"/>
+            <a:ext cx="7328836" cy="1325563"/>
+          </a:xfrm>
+          <a:prstGeom prst="rect">
+            <a:avLst/>
+          </a:prstGeom>
+          <a:ln w="28575">
+            <a:solidFill>
+              <a:schemeClr val="tx1"/>
+            </a:solidFill>
+          </a:ln>
+        </p:spPr>
+      </p:pic>
+      <p:pic>
+        <p:nvPicPr>
+          <p:cNvPr id="6" name="圖片 5">
+            <a:extLst>
+              <a:ext uri="{FF2B5EF4-FFF2-40B4-BE49-F238E27FC236}">
+                <a16:creationId xmlns:a16="http://schemas.microsoft.com/office/drawing/2014/main" id="{894E4693-75ED-B2A7-C02F-E90F0F01F949}"/>
+              </a:ext>
+            </a:extLst>
+          </p:cNvPr>
+          <p:cNvPicPr>
+            <a:picLocks noChangeAspect="1"/>
+          </p:cNvPicPr>
+          <p:nvPr/>
+        </p:nvPicPr>
+        <p:blipFill>
+          <a:blip r:embed="rId3"/>
+          <a:stretch>
+            <a:fillRect/>
+          </a:stretch>
+        </p:blipFill>
+        <p:spPr>
+          <a:xfrm>
+            <a:off x="2842835" y="3260200"/>
+            <a:ext cx="3458330" cy="3150687"/>
+          </a:xfrm>
+          <a:prstGeom prst="rect">
+            <a:avLst/>
+          </a:prstGeom>
+        </p:spPr>
+      </p:pic>
+    </p:spTree>
+    <p:extLst>
+      <p:ext uri="{BB962C8B-B14F-4D97-AF65-F5344CB8AC3E}">
+        <p14:creationId xmlns:p14="http://schemas.microsoft.com/office/powerpoint/2010/main" val="398597091"/>
+      </p:ext>
+    </p:extLst>
+  </p:cSld>
+  <p:clrMapOvr>
+    <a:masterClrMapping/>
+  </p:clrMapOvr>
+</p:sld>
+</file>
+
 <file path=ppt/slides/slide3.xml><?xml version="1.0" encoding="utf-8"?>
 <p:sld xmlns:a="http://schemas.openxmlformats.org/drawingml/2006/main" xmlns:r="http://schemas.openxmlformats.org/officeDocument/2006/relationships" xmlns:p="http://schemas.openxmlformats.org/presentationml/2006/main">
   <p:cSld>
@@ -9432,8 +9938,8 @@
           </a:p>
         </p:txBody>
       </p:sp>
-      <mc:AlternateContent xmlns:mc="http://schemas.openxmlformats.org/markup-compatibility/2006">
-        <mc:Choice xmlns:a14="http://schemas.microsoft.com/office/drawing/2010/main" Requires="a14">
+      <mc:AlternateContent xmlns:mc="http://schemas.openxmlformats.org/markup-compatibility/2006" xmlns:a14="http://schemas.microsoft.com/office/drawing/2010/main">
+        <mc:Choice Requires="a14">
           <p:sp>
             <p:nvSpPr>
               <p:cNvPr id="6" name="文字方塊 5">
@@ -9485,7 +9991,7 @@
                           <a:latin typeface="Cambria Math" panose="02040503050406030204" pitchFamily="18" charset="0"/>
                           <a:ea typeface="微軟正黑體" panose="020B0604030504040204" pitchFamily="34" charset="-120"/>
                         </a:rPr>
-                        <m:t>=1×0.7+0×0.9+</m:t>
+                        <m:t>=1×0.7+0×0.9+1×−0</m:t>
                       </m:r>
                       <m:r>
                         <a:rPr lang="en-US" altLang="zh-TW" sz="2800" i="1" dirty="0" smtClean="0">
@@ -9495,7 +10001,7 @@
                           <a:latin typeface="Cambria Math" panose="02040503050406030204" pitchFamily="18" charset="0"/>
                           <a:ea typeface="微軟正黑體" panose="020B0604030504040204" pitchFamily="34" charset="-120"/>
                         </a:rPr>
-                        <m:t>1×−0.2+1×−0.4+0.5=0.6</m:t>
+                        <m:t>.2+1×−0.4+0.5=0.6</m:t>
                       </m:r>
                     </m:oMath>
                   </m:oMathPara>
@@ -10117,7 +10623,7 @@
             </p:txBody>
           </p:sp>
         </mc:Choice>
-        <mc:Fallback>
+        <mc:Fallback xmlns="">
           <p:sp>
             <p:nvSpPr>
               <p:cNvPr id="6" name="文字方塊 5">
@@ -10776,8 +11282,8 @@
           </a:fontRef>
         </p:style>
       </p:cxnSp>
-      <mc:AlternateContent xmlns:mc="http://schemas.openxmlformats.org/markup-compatibility/2006">
-        <mc:Choice xmlns:a14="http://schemas.microsoft.com/office/drawing/2010/main" Requires="a14">
+      <mc:AlternateContent xmlns:mc="http://schemas.openxmlformats.org/markup-compatibility/2006" xmlns:a14="http://schemas.microsoft.com/office/drawing/2010/main">
+        <mc:Choice Requires="a14">
           <p:sp>
             <p:nvSpPr>
               <p:cNvPr id="53" name="文字方塊 52">
@@ -10855,7 +11361,7 @@
             </p:txBody>
           </p:sp>
         </mc:Choice>
-        <mc:Fallback>
+        <mc:Fallback xmlns="">
           <p:sp>
             <p:nvSpPr>
               <p:cNvPr id="53" name="文字方塊 52">
@@ -10900,8 +11406,8 @@
           </p:sp>
         </mc:Fallback>
       </mc:AlternateContent>
-      <mc:AlternateContent xmlns:mc="http://schemas.openxmlformats.org/markup-compatibility/2006">
-        <mc:Choice xmlns:a14="http://schemas.microsoft.com/office/drawing/2010/main" Requires="a14">
+      <mc:AlternateContent xmlns:mc="http://schemas.openxmlformats.org/markup-compatibility/2006" xmlns:a14="http://schemas.microsoft.com/office/drawing/2010/main">
+        <mc:Choice Requires="a14">
           <p:sp>
             <p:nvSpPr>
               <p:cNvPr id="52" name="文字方塊 51">
@@ -10951,7 +11457,7 @@
             </p:txBody>
           </p:sp>
         </mc:Choice>
-        <mc:Fallback>
+        <mc:Fallback xmlns="">
           <p:sp>
             <p:nvSpPr>
               <p:cNvPr id="52" name="文字方塊 51">
@@ -10996,8 +11502,8 @@
           </p:sp>
         </mc:Fallback>
       </mc:AlternateContent>
-      <mc:AlternateContent xmlns:mc="http://schemas.openxmlformats.org/markup-compatibility/2006">
-        <mc:Choice xmlns:a14="http://schemas.microsoft.com/office/drawing/2010/main" Requires="a14">
+      <mc:AlternateContent xmlns:mc="http://schemas.openxmlformats.org/markup-compatibility/2006" xmlns:a14="http://schemas.microsoft.com/office/drawing/2010/main">
+        <mc:Choice Requires="a14">
           <p:sp>
             <p:nvSpPr>
               <p:cNvPr id="55" name="文字方塊 54">
@@ -11066,7 +11572,7 @@
             </p:txBody>
           </p:sp>
         </mc:Choice>
-        <mc:Fallback>
+        <mc:Fallback xmlns="">
           <p:sp>
             <p:nvSpPr>
               <p:cNvPr id="55" name="文字方塊 54">
@@ -11111,8 +11617,8 @@
           </p:sp>
         </mc:Fallback>
       </mc:AlternateContent>
-      <mc:AlternateContent xmlns:mc="http://schemas.openxmlformats.org/markup-compatibility/2006">
-        <mc:Choice xmlns:a14="http://schemas.microsoft.com/office/drawing/2010/main" Requires="a14">
+      <mc:AlternateContent xmlns:mc="http://schemas.openxmlformats.org/markup-compatibility/2006" xmlns:a14="http://schemas.microsoft.com/office/drawing/2010/main">
+        <mc:Choice Requires="a14">
           <p:sp>
             <p:nvSpPr>
               <p:cNvPr id="56" name="文字方塊 55">
@@ -11181,7 +11687,7 @@
             </p:txBody>
           </p:sp>
         </mc:Choice>
-        <mc:Fallback>
+        <mc:Fallback xmlns="">
           <p:sp>
             <p:nvSpPr>
               <p:cNvPr id="56" name="文字方塊 55">
@@ -11226,8 +11732,8 @@
           </p:sp>
         </mc:Fallback>
       </mc:AlternateContent>
-      <mc:AlternateContent xmlns:mc="http://schemas.openxmlformats.org/markup-compatibility/2006">
-        <mc:Choice xmlns:a14="http://schemas.microsoft.com/office/drawing/2010/main" Requires="a14">
+      <mc:AlternateContent xmlns:mc="http://schemas.openxmlformats.org/markup-compatibility/2006" xmlns:a14="http://schemas.microsoft.com/office/drawing/2010/main">
+        <mc:Choice Requires="a14">
           <p:sp>
             <p:nvSpPr>
               <p:cNvPr id="57" name="文字方塊 56">
@@ -11296,7 +11802,7 @@
             </p:txBody>
           </p:sp>
         </mc:Choice>
-        <mc:Fallback>
+        <mc:Fallback xmlns="">
           <p:sp>
             <p:nvSpPr>
               <p:cNvPr id="57" name="文字方塊 56">
@@ -11341,8 +11847,8 @@
           </p:sp>
         </mc:Fallback>
       </mc:AlternateContent>
-      <mc:AlternateContent xmlns:mc="http://schemas.openxmlformats.org/markup-compatibility/2006">
-        <mc:Choice xmlns:a14="http://schemas.microsoft.com/office/drawing/2010/main" Requires="a14">
+      <mc:AlternateContent xmlns:mc="http://schemas.openxmlformats.org/markup-compatibility/2006" xmlns:a14="http://schemas.microsoft.com/office/drawing/2010/main">
+        <mc:Choice Requires="a14">
           <p:sp>
             <p:nvSpPr>
               <p:cNvPr id="58" name="文字方塊 57">
@@ -11411,7 +11917,7 @@
             </p:txBody>
           </p:sp>
         </mc:Choice>
-        <mc:Fallback>
+        <mc:Fallback xmlns="">
           <p:sp>
             <p:nvSpPr>
               <p:cNvPr id="58" name="文字方塊 57">

--- a/Tensorflow機器學習-基礎教學.pptx
+++ b/Tensorflow機器學習-基礎教學.pptx
@@ -4462,8 +4462,8 @@
           </a:p>
         </p:txBody>
       </p:sp>
-      <mc:AlternateContent xmlns:mc="http://schemas.openxmlformats.org/markup-compatibility/2006">
-        <mc:Choice xmlns:a14="http://schemas.microsoft.com/office/drawing/2010/main" Requires="a14">
+      <mc:AlternateContent xmlns:mc="http://schemas.openxmlformats.org/markup-compatibility/2006" xmlns:a14="http://schemas.microsoft.com/office/drawing/2010/main">
+        <mc:Choice Requires="a14">
           <p:sp>
             <p:nvSpPr>
               <p:cNvPr id="10" name="文字方塊 9">
@@ -4552,7 +4552,7 @@
             </p:txBody>
           </p:sp>
         </mc:Choice>
-        <mc:Fallback>
+        <mc:Fallback xmlns="">
           <p:sp>
             <p:nvSpPr>
               <p:cNvPr id="10" name="文字方塊 9">
@@ -7871,8 +7871,8 @@
         </p:blipFill>
         <p:spPr bwMode="auto">
           <a:xfrm>
-            <a:off x="5951072" y="2891121"/>
-            <a:ext cx="2564278" cy="3476622"/>
+            <a:off x="5984195" y="2638564"/>
+            <a:ext cx="2715899" cy="3682188"/>
           </a:xfrm>
           <a:prstGeom prst="rect">
             <a:avLst/>
@@ -7918,7 +7918,7 @@
         </p:blipFill>
         <p:spPr bwMode="auto">
           <a:xfrm>
-            <a:off x="1408193" y="2891121"/>
+            <a:off x="1341990" y="2718999"/>
             <a:ext cx="2627238" cy="3601753"/>
           </a:xfrm>
           <a:prstGeom prst="rect">
@@ -8012,8 +8012,8 @@
         </p:blipFill>
         <p:spPr bwMode="auto">
           <a:xfrm>
-            <a:off x="3567518" y="1937977"/>
-            <a:ext cx="2190229" cy="2982046"/>
+            <a:off x="3449754" y="1683338"/>
+            <a:ext cx="2564278" cy="3491323"/>
           </a:xfrm>
           <a:prstGeom prst="rect">
             <a:avLst/>
@@ -8030,6 +8030,45 @@
           </a:extLst>
         </p:spPr>
       </p:pic>
+      <p:sp>
+        <p:nvSpPr>
+          <p:cNvPr id="8" name="文字方塊 7">
+            <a:extLst>
+              <a:ext uri="{FF2B5EF4-FFF2-40B4-BE49-F238E27FC236}">
+                <a16:creationId xmlns:a16="http://schemas.microsoft.com/office/drawing/2014/main" id="{F22ECAD3-1EAB-FB55-A831-490F93CB4C0F}"/>
+              </a:ext>
+            </a:extLst>
+          </p:cNvPr>
+          <p:cNvSpPr txBox="1"/>
+          <p:nvPr/>
+        </p:nvSpPr>
+        <p:spPr>
+          <a:xfrm>
+            <a:off x="1761564" y="6353026"/>
+            <a:ext cx="5620871" cy="369332"/>
+          </a:xfrm>
+          <a:prstGeom prst="rect">
+            <a:avLst/>
+          </a:prstGeom>
+          <a:noFill/>
+        </p:spPr>
+        <p:txBody>
+          <a:bodyPr wrap="square">
+            <a:spAutoFit/>
+          </a:bodyPr>
+          <a:lstStyle/>
+          <a:p>
+            <a:pPr algn="ctr"/>
+            <a:r>
+              <a:rPr lang="zh-TW" altLang="en-US" dirty="0">
+                <a:hlinkClick r:id="rId6"/>
+              </a:rPr>
+              <a:t>https://ithelp.ithome.com.tw/articles/10234389</a:t>
+            </a:r>
+            <a:endParaRPr lang="zh-TW" altLang="en-US" dirty="0"/>
+          </a:p>
+        </p:txBody>
+      </p:sp>
     </p:spTree>
     <p:extLst>
       <p:ext uri="{BB962C8B-B14F-4D97-AF65-F5344CB8AC3E}">
@@ -9991,7 +10030,7 @@
                           <a:latin typeface="Cambria Math" panose="02040503050406030204" pitchFamily="18" charset="0"/>
                           <a:ea typeface="微軟正黑體" panose="020B0604030504040204" pitchFamily="34" charset="-120"/>
                         </a:rPr>
-                        <m:t>=1×0.7+0×0.9+1×−0</m:t>
+                        <m:t>=1×0.7+0×0.9+1×−0.2+1</m:t>
                       </m:r>
                       <m:r>
                         <a:rPr lang="en-US" altLang="zh-TW" sz="2800" i="1" dirty="0" smtClean="0">
@@ -10001,7 +10040,7 @@
                           <a:latin typeface="Cambria Math" panose="02040503050406030204" pitchFamily="18" charset="0"/>
                           <a:ea typeface="微軟正黑體" panose="020B0604030504040204" pitchFamily="34" charset="-120"/>
                         </a:rPr>
-                        <m:t>.2+1×−0.4+0.5=0.6</m:t>
+                        <m:t>×−0.4+0.5=0.6</m:t>
                       </m:r>
                     </m:oMath>
                   </m:oMathPara>
